--- a/Session 5 - diy-hive-setup.pptx
+++ b/Session 5 - diy-hive-setup.pptx
@@ -15,8 +15,9 @@
     <p:sldId id="273" r:id="rId9"/>
     <p:sldId id="285" r:id="rId10"/>
     <p:sldId id="274" r:id="rId11"/>
-    <p:sldId id="287" r:id="rId12"/>
-    <p:sldId id="282" r:id="rId13"/>
+    <p:sldId id="288" r:id="rId12"/>
+    <p:sldId id="287" r:id="rId13"/>
+    <p:sldId id="282" r:id="rId14"/>
   </p:sldIdLst>
   <p:sldSz cx="10080625" cy="7559675"/>
   <p:notesSz cx="7559675" cy="10691813"/>
@@ -398,7 +399,7 @@
           <a:p>
             <a:fld id="{679BC7E7-EA8E-4DA7-915E-CC098D9BADCB}" type="datetimeFigureOut">
               <a:rPr lang="en-US" smtClean="0"/>
-              <a:t>22/05/18</a:t>
+              <a:t>23/05/18</a:t>
             </a:fld>
             <a:endParaRPr lang="en-US"/>
           </a:p>
@@ -791,7 +792,7 @@
           <a:p>
             <a:fld id="{679BC7E7-EA8E-4DA7-915E-CC098D9BADCB}" type="datetimeFigureOut">
               <a:rPr lang="en-US" smtClean="0"/>
-              <a:t>22/05/18</a:t>
+              <a:t>23/05/18</a:t>
             </a:fld>
             <a:endParaRPr lang="en-US"/>
           </a:p>
@@ -1323,7 +1324,7 @@
           <a:p>
             <a:fld id="{679BC7E7-EA8E-4DA7-915E-CC098D9BADCB}" type="datetimeFigureOut">
               <a:rPr lang="en-US" smtClean="0"/>
-              <a:t>22/05/18</a:t>
+              <a:t>23/05/18</a:t>
             </a:fld>
             <a:endParaRPr lang="en-US"/>
           </a:p>
@@ -1456,7 +1457,7 @@
           <a:p>
             <a:fld id="{679BC7E7-EA8E-4DA7-915E-CC098D9BADCB}" type="datetimeFigureOut">
               <a:rPr lang="en-US" smtClean="0"/>
-              <a:t>22/05/18</a:t>
+              <a:t>23/05/18</a:t>
             </a:fld>
             <a:endParaRPr lang="en-US"/>
           </a:p>
@@ -1999,7 +2000,7 @@
           <a:p>
             <a:fld id="{679BC7E7-EA8E-4DA7-915E-CC098D9BADCB}" type="datetimeFigureOut">
               <a:rPr lang="en-US" smtClean="0"/>
-              <a:t>22/05/18</a:t>
+              <a:t>23/05/18</a:t>
             </a:fld>
             <a:endParaRPr lang="en-US"/>
           </a:p>
@@ -2294,7 +2295,7 @@
           <a:p>
             <a:fld id="{679BC7E7-EA8E-4DA7-915E-CC098D9BADCB}" type="datetimeFigureOut">
               <a:rPr lang="en-US" smtClean="0"/>
-              <a:t>22/05/18</a:t>
+              <a:t>23/05/18</a:t>
             </a:fld>
             <a:endParaRPr lang="en-US"/>
           </a:p>
@@ -2953,7 +2954,7 @@
           <a:p>
             <a:fld id="{679BC7E7-EA8E-4DA7-915E-CC098D9BADCB}" type="datetimeFigureOut">
               <a:rPr lang="en-US" smtClean="0"/>
-              <a:t>22/05/18</a:t>
+              <a:t>23/05/18</a:t>
             </a:fld>
             <a:endParaRPr lang="en-US"/>
           </a:p>
@@ -3389,7 +3390,7 @@
           <a:p>
             <a:fld id="{679BC7E7-EA8E-4DA7-915E-CC098D9BADCB}" type="datetimeFigureOut">
               <a:rPr lang="en-US" smtClean="0"/>
-              <a:t>22/05/18</a:t>
+              <a:t>23/05/18</a:t>
             </a:fld>
             <a:endParaRPr lang="en-US"/>
           </a:p>
@@ -3702,7 +3703,7 @@
           <a:p>
             <a:fld id="{679BC7E7-EA8E-4DA7-915E-CC098D9BADCB}" type="datetimeFigureOut">
               <a:rPr lang="en-US" smtClean="0"/>
-              <a:t>22/05/18</a:t>
+              <a:t>23/05/18</a:t>
             </a:fld>
             <a:endParaRPr lang="en-US"/>
           </a:p>
@@ -4434,7 +4435,7 @@
           <a:p>
             <a:fld id="{679BC7E7-EA8E-4DA7-915E-CC098D9BADCB}" type="datetimeFigureOut">
               <a:rPr lang="en-US" smtClean="0"/>
-              <a:t>22/05/18</a:t>
+              <a:t>23/05/18</a:t>
             </a:fld>
             <a:endParaRPr lang="en-US"/>
           </a:p>
@@ -5098,7 +5099,7 @@
           <a:p>
             <a:fld id="{679BC7E7-EA8E-4DA7-915E-CC098D9BADCB}" type="datetimeFigureOut">
               <a:rPr lang="en-US" smtClean="0"/>
-              <a:t>22/05/18</a:t>
+              <a:t>23/05/18</a:t>
             </a:fld>
             <a:endParaRPr lang="en-US"/>
           </a:p>
@@ -5371,7 +5372,7 @@
           <a:p>
             <a:fld id="{679BC7E7-EA8E-4DA7-915E-CC098D9BADCB}" type="datetimeFigureOut">
               <a:rPr lang="en-US" smtClean="0"/>
-              <a:t>22/05/18</a:t>
+              <a:t>23/05/18</a:t>
             </a:fld>
             <a:endParaRPr lang="en-US"/>
           </a:p>
@@ -6487,13 +6488,7 @@
               <a:rPr lang="en-IN" sz="4800" dirty="0" smtClean="0">
                 <a:latin typeface="Arial"/>
               </a:rPr>
-              <a:t>– </a:t>
-            </a:r>
-            <a:r>
-              <a:rPr lang="en-IN" sz="4800" dirty="0" smtClean="0">
-                <a:latin typeface="Arial"/>
-              </a:rPr>
-              <a:t>Hive</a:t>
+              <a:t>– Hive</a:t>
             </a:r>
             <a:endParaRPr lang="en-US" dirty="0"/>
           </a:p>
@@ -6867,14 +6862,6 @@
               </a:rPr>
               <a:t>jar</a:t>
             </a:r>
-            <a:endParaRPr lang="en-US" dirty="0" smtClean="0">
-              <a:solidFill>
-                <a:schemeClr val="tx1">
-                  <a:lumMod val="50000"/>
-                  <a:lumOff val="50000"/>
-                </a:schemeClr>
-              </a:solidFill>
-            </a:endParaRPr>
           </a:p>
           <a:p>
             <a:pPr marL="285750" indent="-285750">
@@ -6984,7 +6971,7 @@
               <a:rPr lang="en-IN" sz="4400" dirty="0" smtClean="0">
                 <a:latin typeface="Arial"/>
               </a:rPr>
-              <a:t>Starting the HS2 services</a:t>
+              <a:t>Deleting multiple log4j jars</a:t>
             </a:r>
             <a:endParaRPr dirty="0"/>
           </a:p>
@@ -6998,8 +6985,8 @@
         </p:nvSpPr>
         <p:spPr>
           <a:xfrm>
-            <a:off x="504000" y="1753918"/>
-            <a:ext cx="9070560" cy="5200983"/>
+            <a:off x="504000" y="1693367"/>
+            <a:ext cx="9070560" cy="5322011"/>
           </a:xfrm>
           <a:prstGeom prst="rect">
             <a:avLst/>
@@ -7020,17 +7007,6 @@
               <a:buSzPct val="45000"/>
             </a:pPr>
             <a:r>
-              <a:rPr lang="en-US" dirty="0">
-                <a:solidFill>
-                  <a:schemeClr val="tx1">
-                    <a:lumMod val="50000"/>
-                    <a:lumOff val="50000"/>
-                  </a:schemeClr>
-                </a:solidFill>
-              </a:rPr>
-              <a:t>The </a:t>
-            </a:r>
-            <a:r>
               <a:rPr lang="en-US" dirty="0" smtClean="0">
                 <a:solidFill>
                   <a:schemeClr val="tx1">
@@ -7039,18 +7015,18 @@
                   </a:schemeClr>
                 </a:solidFill>
               </a:rPr>
-              <a:t>below command </a:t>
-            </a:r>
-            <a:r>
-              <a:rPr lang="en-US" dirty="0">
-                <a:solidFill>
-                  <a:schemeClr val="tx1">
-                    <a:lumMod val="50000"/>
-                    <a:lumOff val="50000"/>
-                  </a:schemeClr>
-                </a:solidFill>
-              </a:rPr>
-              <a:t>starts a hiveserver2 service that would enable the </a:t>
+              <a:t>Append the below entries into the core-</a:t>
+            </a:r>
+            <a:r>
+              <a:rPr lang="en-US" dirty="0" err="1" smtClean="0">
+                <a:solidFill>
+                  <a:schemeClr val="tx1">
+                    <a:lumMod val="50000"/>
+                    <a:lumOff val="50000"/>
+                  </a:schemeClr>
+                </a:solidFill>
+              </a:rPr>
+              <a:t>site.xml</a:t>
             </a:r>
             <a:r>
               <a:rPr lang="en-US" dirty="0" smtClean="0">
@@ -7061,21 +7037,10 @@
                   </a:schemeClr>
                 </a:solidFill>
               </a:rPr>
-              <a:t>beeline connectivity </a:t>
-            </a:r>
-            <a:r>
-              <a:rPr lang="en-US" dirty="0">
-                <a:solidFill>
-                  <a:schemeClr val="tx1">
-                    <a:lumMod val="50000"/>
-                    <a:lumOff val="50000"/>
-                  </a:schemeClr>
-                </a:solidFill>
-              </a:rPr>
-              <a:t>from the machine to the </a:t>
-            </a:r>
-            <a:r>
-              <a:rPr lang="en-US" dirty="0" err="1">
+              <a:t> of </a:t>
+            </a:r>
+            <a:r>
+              <a:rPr lang="en-US" dirty="0" err="1" smtClean="0">
                 <a:solidFill>
                   <a:schemeClr val="tx1">
                     <a:lumMod val="50000"/>
@@ -7086,7 +7051,7 @@
               <a:t>hadoop</a:t>
             </a:r>
             <a:r>
-              <a:rPr lang="en-US" dirty="0">
+              <a:rPr lang="en-US" dirty="0" smtClean="0">
                 <a:solidFill>
                   <a:schemeClr val="tx1">
                     <a:lumMod val="50000"/>
@@ -7097,137 +7062,15 @@
               <a:t> </a:t>
             </a:r>
             <a:r>
-              <a:rPr lang="en-US" dirty="0" smtClean="0">
-                <a:solidFill>
-                  <a:schemeClr val="tx1">
-                    <a:lumMod val="50000"/>
-                    <a:lumOff val="50000"/>
-                  </a:schemeClr>
-                </a:solidFill>
-              </a:rPr>
-              <a:t>cluster:</a:t>
-            </a:r>
-          </a:p>
-          <a:p>
-            <a:pPr>
-              <a:lnSpc>
-                <a:spcPct val="100000"/>
-              </a:lnSpc>
-              <a:buSzPct val="45000"/>
-            </a:pPr>
-            <a:r>
-              <a:rPr lang="en-US" dirty="0">
-                <a:solidFill>
-                  <a:schemeClr val="tx1">
-                    <a:lumMod val="50000"/>
-                    <a:lumOff val="50000"/>
-                  </a:schemeClr>
-                </a:solidFill>
-              </a:rPr>
-              <a:t>	</a:t>
-            </a:r>
-            <a:endParaRPr lang="en-US" dirty="0" smtClean="0">
-              <a:solidFill>
-                <a:schemeClr val="tx1">
-                  <a:lumMod val="50000"/>
-                  <a:lumOff val="50000"/>
-                </a:schemeClr>
-              </a:solidFill>
-            </a:endParaRPr>
-          </a:p>
-          <a:p>
-            <a:pPr marL="742950" lvl="1" indent="-285750">
-              <a:buSzPct val="45000"/>
-              <a:buFont typeface="Arial"/>
-              <a:buChar char="•"/>
-            </a:pPr>
-            <a:r>
-              <a:rPr lang="en-US" dirty="0" smtClean="0">
-                <a:solidFill>
-                  <a:schemeClr val="tx1">
-                    <a:lumMod val="50000"/>
-                    <a:lumOff val="50000"/>
-                  </a:schemeClr>
-                </a:solidFill>
-              </a:rPr>
-              <a:t>hive </a:t>
-            </a:r>
-            <a:r>
-              <a:rPr lang="en-US" dirty="0">
-                <a:solidFill>
-                  <a:schemeClr val="tx1">
-                    <a:lumMod val="50000"/>
-                    <a:lumOff val="50000"/>
-                  </a:schemeClr>
-                </a:solidFill>
-              </a:rPr>
-              <a:t>--service hiveserver2 --</a:t>
-            </a:r>
-            <a:r>
-              <a:rPr lang="en-US" dirty="0" err="1">
-                <a:solidFill>
-                  <a:schemeClr val="tx1">
-                    <a:lumMod val="50000"/>
-                    <a:lumOff val="50000"/>
-                  </a:schemeClr>
-                </a:solidFill>
-              </a:rPr>
-              <a:t>hiveconf</a:t>
-            </a:r>
-            <a:r>
-              <a:rPr lang="en-US" dirty="0">
-                <a:solidFill>
-                  <a:schemeClr val="tx1">
-                    <a:lumMod val="50000"/>
-                    <a:lumOff val="50000"/>
-                  </a:schemeClr>
-                </a:solidFill>
-              </a:rPr>
-              <a:t> </a:t>
-            </a:r>
-            <a:r>
-              <a:rPr lang="en-US" dirty="0" err="1">
-                <a:solidFill>
-                  <a:schemeClr val="tx1">
-                    <a:lumMod val="50000"/>
-                    <a:lumOff val="50000"/>
-                  </a:schemeClr>
-                </a:solidFill>
-              </a:rPr>
-              <a:t>hive.root.logger</a:t>
-            </a:r>
-            <a:r>
-              <a:rPr lang="en-US" dirty="0">
-                <a:solidFill>
-                  <a:schemeClr val="tx1">
-                    <a:lumMod val="50000"/>
-                    <a:lumOff val="50000"/>
-                  </a:schemeClr>
-                </a:solidFill>
-              </a:rPr>
-              <a:t>=</a:t>
-            </a:r>
-            <a:r>
-              <a:rPr lang="en-US" dirty="0" err="1">
-                <a:solidFill>
-                  <a:schemeClr val="tx1">
-                    <a:lumMod val="50000"/>
-                    <a:lumOff val="50000"/>
-                  </a:schemeClr>
-                </a:solidFill>
-              </a:rPr>
-              <a:t>INFO,</a:t>
-            </a:r>
-            <a:r>
-              <a:rPr lang="en-US" dirty="0" err="1" smtClean="0">
-                <a:solidFill>
-                  <a:schemeClr val="tx1">
-                    <a:lumMod val="50000"/>
-                    <a:lumOff val="50000"/>
-                  </a:schemeClr>
-                </a:solidFill>
-              </a:rPr>
-              <a:t>console</a:t>
+              <a:rPr lang="en-US" smtClean="0">
+                <a:solidFill>
+                  <a:schemeClr val="tx1">
+                    <a:lumMod val="50000"/>
+                    <a:lumOff val="50000"/>
+                  </a:schemeClr>
+                </a:solidFill>
+              </a:rPr>
+              <a:t>binary file:</a:t>
             </a:r>
             <a:endParaRPr lang="en-US" dirty="0" smtClean="0">
               <a:solidFill>
@@ -7261,95 +7104,6 @@
               </a:lnSpc>
               <a:buSzPct val="45000"/>
             </a:pPr>
-            <a:endParaRPr lang="en-US" dirty="0">
-              <a:solidFill>
-                <a:schemeClr val="tx1">
-                  <a:lumMod val="50000"/>
-                  <a:lumOff val="50000"/>
-                </a:schemeClr>
-              </a:solidFill>
-            </a:endParaRPr>
-          </a:p>
-          <a:p>
-            <a:pPr>
-              <a:lnSpc>
-                <a:spcPct val="100000"/>
-              </a:lnSpc>
-              <a:buSzPct val="45000"/>
-            </a:pPr>
-            <a:r>
-              <a:rPr lang="en-US" dirty="0" smtClean="0">
-                <a:solidFill>
-                  <a:schemeClr val="tx1">
-                    <a:lumMod val="50000"/>
-                    <a:lumOff val="50000"/>
-                  </a:schemeClr>
-                </a:solidFill>
-              </a:rPr>
-              <a:t>Once </a:t>
-            </a:r>
-            <a:r>
-              <a:rPr lang="en-US" dirty="0">
-                <a:solidFill>
-                  <a:schemeClr val="tx1">
-                    <a:lumMod val="50000"/>
-                    <a:lumOff val="50000"/>
-                  </a:schemeClr>
-                </a:solidFill>
-              </a:rPr>
-              <a:t>hiveserver2 </a:t>
-            </a:r>
-            <a:r>
-              <a:rPr lang="en-US" dirty="0" smtClean="0">
-                <a:solidFill>
-                  <a:schemeClr val="tx1">
-                    <a:lumMod val="50000"/>
-                    <a:lumOff val="50000"/>
-                  </a:schemeClr>
-                </a:solidFill>
-              </a:rPr>
-              <a:t>services are successfully started execute the below command to connect to the server:</a:t>
-            </a:r>
-          </a:p>
-          <a:p>
-            <a:pPr marL="742950" lvl="1" indent="-285750">
-              <a:buSzPct val="45000"/>
-              <a:buFont typeface="Arial"/>
-              <a:buChar char="•"/>
-            </a:pPr>
-            <a:r>
-              <a:rPr lang="en-US" dirty="0" smtClean="0">
-                <a:solidFill>
-                  <a:schemeClr val="tx1">
-                    <a:lumMod val="50000"/>
-                    <a:lumOff val="50000"/>
-                  </a:schemeClr>
-                </a:solidFill>
-              </a:rPr>
-              <a:t>beeline </a:t>
-            </a:r>
-            <a:r>
-              <a:rPr lang="en-US" dirty="0">
-                <a:solidFill>
-                  <a:schemeClr val="tx1">
-                    <a:lumMod val="50000"/>
-                    <a:lumOff val="50000"/>
-                  </a:schemeClr>
-                </a:solidFill>
-              </a:rPr>
-              <a:t>-u jdbc:hive2://localhost:10000 -n </a:t>
-            </a:r>
-            <a:r>
-              <a:rPr lang="en-US" dirty="0" err="1" smtClean="0">
-                <a:solidFill>
-                  <a:schemeClr val="tx1">
-                    <a:lumMod val="50000"/>
-                    <a:lumOff val="50000"/>
-                  </a:schemeClr>
-                </a:solidFill>
-              </a:rPr>
-              <a:t>hadoop</a:t>
-            </a:r>
             <a:endParaRPr lang="en-US" dirty="0" smtClean="0">
               <a:solidFill>
                 <a:schemeClr val="tx1">
@@ -7360,118 +7114,291 @@
             </a:endParaRPr>
           </a:p>
           <a:p>
-            <a:pPr marL="742950" lvl="1" indent="-285750">
+            <a:pPr>
+              <a:lnSpc>
+                <a:spcPct val="100000"/>
+              </a:lnSpc>
               <a:buSzPct val="45000"/>
-              <a:buFont typeface="Arial"/>
-              <a:buChar char="•"/>
             </a:pPr>
-            <a:endParaRPr lang="en-US" dirty="0">
+            <a:r>
+              <a:rPr lang="en-US" dirty="0">
+                <a:solidFill>
+                  <a:srgbClr val="FF0000"/>
+                </a:solidFill>
+              </a:rPr>
+              <a:t>﻿</a:t>
+            </a:r>
+            <a:r>
+              <a:rPr lang="en-US" dirty="0">
+                <a:solidFill>
+                  <a:srgbClr val="7F7F7F"/>
+                </a:solidFill>
+              </a:rPr>
+              <a:t>&lt;property</a:t>
+            </a:r>
+            <a:r>
+              <a:rPr lang="en-US" dirty="0" smtClean="0">
+                <a:solidFill>
+                  <a:srgbClr val="7F7F7F"/>
+                </a:solidFill>
+              </a:rPr>
+              <a:t>&gt;</a:t>
+            </a:r>
+          </a:p>
+          <a:p>
+            <a:pPr>
+              <a:lnSpc>
+                <a:spcPct val="100000"/>
+              </a:lnSpc>
+              <a:buSzPct val="45000"/>
+            </a:pPr>
+            <a:r>
+              <a:rPr lang="en-US" dirty="0" smtClean="0">
+                <a:solidFill>
+                  <a:srgbClr val="7F7F7F"/>
+                </a:solidFill>
+              </a:rPr>
+              <a:t>&lt;</a:t>
+            </a:r>
+            <a:r>
+              <a:rPr lang="en-US" dirty="0">
+                <a:solidFill>
+                  <a:srgbClr val="7F7F7F"/>
+                </a:solidFill>
+              </a:rPr>
+              <a:t>name&gt;</a:t>
+            </a:r>
+            <a:r>
+              <a:rPr lang="en-US" dirty="0" err="1">
+                <a:solidFill>
+                  <a:srgbClr val="7F7F7F"/>
+                </a:solidFill>
+              </a:rPr>
+              <a:t>hadoop.proxyuser.hadoop.hosts</a:t>
+            </a:r>
+            <a:r>
+              <a:rPr lang="en-US" dirty="0">
+                <a:solidFill>
+                  <a:srgbClr val="7F7F7F"/>
+                </a:solidFill>
+              </a:rPr>
+              <a:t>&lt;/name&gt; </a:t>
+            </a:r>
+            <a:endParaRPr lang="en-US" dirty="0" smtClean="0">
               <a:solidFill>
-                <a:schemeClr val="tx1">
-                  <a:lumMod val="50000"/>
-                  <a:lumOff val="50000"/>
-                </a:schemeClr>
+                <a:srgbClr val="7F7F7F"/>
               </a:solidFill>
             </a:endParaRPr>
           </a:p>
           <a:p>
             <a:pPr>
+              <a:lnSpc>
+                <a:spcPct val="100000"/>
+              </a:lnSpc>
               <a:buSzPct val="45000"/>
             </a:pPr>
             <a:r>
               <a:rPr lang="en-US" dirty="0" smtClean="0">
                 <a:solidFill>
-                  <a:schemeClr val="tx1">
-                    <a:lumMod val="50000"/>
-                    <a:lumOff val="50000"/>
-                  </a:schemeClr>
-                </a:solidFill>
-              </a:rPr>
-              <a:t>Here </a:t>
-            </a:r>
-            <a:r>
-              <a:rPr lang="en-US" i="1" dirty="0" smtClean="0">
-                <a:solidFill>
-                  <a:schemeClr val="tx1">
-                    <a:lumMod val="50000"/>
-                    <a:lumOff val="50000"/>
-                  </a:schemeClr>
-                </a:solidFill>
-              </a:rPr>
-              <a:t>–n </a:t>
-            </a:r>
-            <a:r>
-              <a:rPr lang="en-US" i="1" dirty="0" err="1" smtClean="0">
-                <a:solidFill>
-                  <a:schemeClr val="tx1">
-                    <a:lumMod val="50000"/>
-                    <a:lumOff val="50000"/>
-                  </a:schemeClr>
-                </a:solidFill>
-              </a:rPr>
-              <a:t>hadoop</a:t>
-            </a:r>
-            <a:r>
-              <a:rPr lang="en-US" i="1" dirty="0" smtClean="0">
-                <a:solidFill>
-                  <a:schemeClr val="tx1">
-                    <a:lumMod val="50000"/>
-                    <a:lumOff val="50000"/>
-                  </a:schemeClr>
-                </a:solidFill>
-              </a:rPr>
-              <a:t> </a:t>
-            </a:r>
-            <a:r>
-              <a:rPr lang="en-US" dirty="0" smtClean="0">
-                <a:solidFill>
-                  <a:schemeClr val="tx1">
-                    <a:lumMod val="50000"/>
-                    <a:lumOff val="50000"/>
-                  </a:schemeClr>
-                </a:solidFill>
-              </a:rPr>
-              <a:t>means the </a:t>
-            </a:r>
-            <a:r>
-              <a:rPr lang="en-US" dirty="0" err="1" smtClean="0">
-                <a:solidFill>
-                  <a:schemeClr val="tx1">
-                    <a:lumMod val="50000"/>
-                    <a:lumOff val="50000"/>
-                  </a:schemeClr>
-                </a:solidFill>
-              </a:rPr>
-              <a:t>hadoop</a:t>
-            </a:r>
-            <a:r>
-              <a:rPr lang="en-US" dirty="0" smtClean="0">
-                <a:solidFill>
-                  <a:schemeClr val="tx1">
-                    <a:lumMod val="50000"/>
-                    <a:lumOff val="50000"/>
-                  </a:schemeClr>
-                </a:solidFill>
-              </a:rPr>
-              <a:t> user we created in </a:t>
-            </a:r>
-            <a:r>
-              <a:rPr lang="en-US" dirty="0" err="1" smtClean="0">
-                <a:solidFill>
-                  <a:schemeClr val="tx1">
-                    <a:lumMod val="50000"/>
-                    <a:lumOff val="50000"/>
-                  </a:schemeClr>
-                </a:solidFill>
-              </a:rPr>
-              <a:t>mysql</a:t>
+                  <a:srgbClr val="7F7F7F"/>
+                </a:solidFill>
+              </a:rPr>
+              <a:t>&lt;</a:t>
+            </a:r>
+            <a:r>
+              <a:rPr lang="en-US" dirty="0">
+                <a:solidFill>
+                  <a:srgbClr val="7F7F7F"/>
+                </a:solidFill>
+              </a:rPr>
+              <a:t>value&gt;*&lt;/value&gt; </a:t>
             </a:r>
             <a:endParaRPr lang="en-US" dirty="0" smtClean="0">
               <a:solidFill>
-                <a:schemeClr val="tx1">
-                  <a:lumMod val="50000"/>
-                  <a:lumOff val="50000"/>
-                </a:schemeClr>
+                <a:srgbClr val="7F7F7F"/>
+              </a:solidFill>
+            </a:endParaRPr>
+          </a:p>
+          <a:p>
+            <a:pPr>
+              <a:lnSpc>
+                <a:spcPct val="100000"/>
+              </a:lnSpc>
+              <a:buSzPct val="45000"/>
+            </a:pPr>
+            <a:r>
+              <a:rPr lang="en-US" dirty="0" smtClean="0">
+                <a:solidFill>
+                  <a:srgbClr val="7F7F7F"/>
+                </a:solidFill>
+              </a:rPr>
+              <a:t>&lt;</a:t>
+            </a:r>
+            <a:r>
+              <a:rPr lang="en-US" dirty="0">
+                <a:solidFill>
+                  <a:srgbClr val="7F7F7F"/>
+                </a:solidFill>
+              </a:rPr>
+              <a:t>/property&gt; </a:t>
+            </a:r>
+            <a:endParaRPr lang="en-US" dirty="0" smtClean="0">
+              <a:solidFill>
+                <a:srgbClr val="7F7F7F"/>
+              </a:solidFill>
+            </a:endParaRPr>
+          </a:p>
+          <a:p>
+            <a:pPr>
+              <a:lnSpc>
+                <a:spcPct val="100000"/>
+              </a:lnSpc>
+              <a:buSzPct val="45000"/>
+            </a:pPr>
+            <a:endParaRPr lang="en-US" dirty="0" smtClean="0">
+              <a:solidFill>
+                <a:srgbClr val="7F7F7F"/>
+              </a:solidFill>
+            </a:endParaRPr>
+          </a:p>
+          <a:p>
+            <a:pPr>
+              <a:lnSpc>
+                <a:spcPct val="100000"/>
+              </a:lnSpc>
+              <a:buSzPct val="45000"/>
+            </a:pPr>
+            <a:r>
+              <a:rPr lang="en-US" dirty="0" smtClean="0">
+                <a:solidFill>
+                  <a:srgbClr val="7F7F7F"/>
+                </a:solidFill>
+              </a:rPr>
+              <a:t>&lt;</a:t>
+            </a:r>
+            <a:r>
+              <a:rPr lang="en-US" dirty="0">
+                <a:solidFill>
+                  <a:srgbClr val="7F7F7F"/>
+                </a:solidFill>
+              </a:rPr>
+              <a:t>property</a:t>
+            </a:r>
+            <a:r>
+              <a:rPr lang="en-US" dirty="0" smtClean="0">
+                <a:solidFill>
+                  <a:srgbClr val="7F7F7F"/>
+                </a:solidFill>
+              </a:rPr>
+              <a:t>&gt;</a:t>
+            </a:r>
+          </a:p>
+          <a:p>
+            <a:pPr>
+              <a:lnSpc>
+                <a:spcPct val="100000"/>
+              </a:lnSpc>
+              <a:buSzPct val="45000"/>
+            </a:pPr>
+            <a:r>
+              <a:rPr lang="en-US" dirty="0" smtClean="0">
+                <a:solidFill>
+                  <a:srgbClr val="7F7F7F"/>
+                </a:solidFill>
+              </a:rPr>
+              <a:t>&lt;</a:t>
+            </a:r>
+            <a:r>
+              <a:rPr lang="en-US" dirty="0">
+                <a:solidFill>
+                  <a:srgbClr val="7F7F7F"/>
+                </a:solidFill>
+              </a:rPr>
+              <a:t>name&gt;</a:t>
+            </a:r>
+            <a:r>
+              <a:rPr lang="en-US" dirty="0" err="1">
+                <a:solidFill>
+                  <a:srgbClr val="7F7F7F"/>
+                </a:solidFill>
+              </a:rPr>
+              <a:t>hadoop.proxyuser.hadoop.groups</a:t>
+            </a:r>
+            <a:r>
+              <a:rPr lang="en-US" dirty="0">
+                <a:solidFill>
+                  <a:srgbClr val="7F7F7F"/>
+                </a:solidFill>
+              </a:rPr>
+              <a:t>&lt;/name</a:t>
+            </a:r>
+            <a:r>
+              <a:rPr lang="en-US" dirty="0" smtClean="0">
+                <a:solidFill>
+                  <a:srgbClr val="7F7F7F"/>
+                </a:solidFill>
+              </a:rPr>
+              <a:t>&gt;</a:t>
+            </a:r>
+          </a:p>
+          <a:p>
+            <a:pPr>
+              <a:lnSpc>
+                <a:spcPct val="100000"/>
+              </a:lnSpc>
+              <a:buSzPct val="45000"/>
+            </a:pPr>
+            <a:r>
+              <a:rPr lang="en-US" dirty="0" smtClean="0">
+                <a:solidFill>
+                  <a:srgbClr val="7F7F7F"/>
+                </a:solidFill>
+              </a:rPr>
+              <a:t>&lt;</a:t>
+            </a:r>
+            <a:r>
+              <a:rPr lang="en-US" dirty="0">
+                <a:solidFill>
+                  <a:srgbClr val="7F7F7F"/>
+                </a:solidFill>
+              </a:rPr>
+              <a:t>value&gt;*&lt;/value</a:t>
+            </a:r>
+            <a:r>
+              <a:rPr lang="en-US" dirty="0" smtClean="0">
+                <a:solidFill>
+                  <a:srgbClr val="7F7F7F"/>
+                </a:solidFill>
+              </a:rPr>
+              <a:t>&gt;</a:t>
+            </a:r>
+          </a:p>
+          <a:p>
+            <a:pPr>
+              <a:lnSpc>
+                <a:spcPct val="100000"/>
+              </a:lnSpc>
+              <a:buSzPct val="45000"/>
+            </a:pPr>
+            <a:r>
+              <a:rPr lang="en-US" dirty="0" smtClean="0">
+                <a:solidFill>
+                  <a:srgbClr val="7F7F7F"/>
+                </a:solidFill>
+              </a:rPr>
+              <a:t>&lt;</a:t>
+            </a:r>
+            <a:r>
+              <a:rPr lang="en-US" dirty="0">
+                <a:solidFill>
+                  <a:srgbClr val="7F7F7F"/>
+                </a:solidFill>
+              </a:rPr>
+              <a:t>/property&gt;</a:t>
+            </a:r>
+            <a:endParaRPr lang="en-US" dirty="0" smtClean="0">
+              <a:solidFill>
+                <a:srgbClr val="7F7F7F"/>
               </a:solidFill>
             </a:endParaRPr>
           </a:p>
@@ -7480,7 +7407,7 @@
     </p:spTree>
     <p:extLst>
       <p:ext uri="{BB962C8B-B14F-4D97-AF65-F5344CB8AC3E}">
-        <p14:creationId xmlns:p14="http://schemas.microsoft.com/office/powerpoint/2010/main" val="178014726"/>
+        <p14:creationId xmlns:p14="http://schemas.microsoft.com/office/powerpoint/2010/main" val="877671485"/>
       </p:ext>
     </p:extLst>
   </p:cSld>
@@ -7536,6 +7463,588 @@
       </p:grpSpPr>
       <p:sp>
         <p:nvSpPr>
+          <p:cNvPr id="84" name="CustomShape 1"/>
+          <p:cNvSpPr/>
+          <p:nvPr/>
+        </p:nvSpPr>
+        <p:spPr>
+          <a:xfrm>
+            <a:off x="504000" y="301320"/>
+            <a:ext cx="9070560" cy="1261080"/>
+          </a:xfrm>
+          <a:prstGeom prst="rect">
+            <a:avLst/>
+          </a:prstGeom>
+          <a:noFill/>
+          <a:ln>
+            <a:noFill/>
+          </a:ln>
+        </p:spPr>
+        <p:txBody>
+          <a:bodyPr lIns="0" tIns="0" rIns="0" bIns="0" anchor="ctr"/>
+          <a:lstStyle/>
+          <a:p>
+            <a:pPr algn="ctr">
+              <a:lnSpc>
+                <a:spcPct val="100000"/>
+              </a:lnSpc>
+            </a:pPr>
+            <a:r>
+              <a:rPr lang="en-IN" sz="4400" dirty="0" smtClean="0">
+                <a:latin typeface="Arial"/>
+              </a:rPr>
+              <a:t>Starting the HS2 services</a:t>
+            </a:r>
+            <a:endParaRPr dirty="0"/>
+          </a:p>
+        </p:txBody>
+      </p:sp>
+      <p:sp>
+        <p:nvSpPr>
+          <p:cNvPr id="85" name="CustomShape 2"/>
+          <p:cNvSpPr/>
+          <p:nvPr/>
+        </p:nvSpPr>
+        <p:spPr>
+          <a:xfrm>
+            <a:off x="504000" y="1753918"/>
+            <a:ext cx="9070560" cy="5200983"/>
+          </a:xfrm>
+          <a:prstGeom prst="rect">
+            <a:avLst/>
+          </a:prstGeom>
+          <a:noFill/>
+          <a:ln>
+            <a:noFill/>
+          </a:ln>
+        </p:spPr>
+        <p:txBody>
+          <a:bodyPr lIns="0" tIns="0" rIns="0" bIns="0"/>
+          <a:lstStyle/>
+          <a:p>
+            <a:pPr>
+              <a:lnSpc>
+                <a:spcPct val="100000"/>
+              </a:lnSpc>
+              <a:buSzPct val="45000"/>
+            </a:pPr>
+            <a:r>
+              <a:rPr lang="en-US" dirty="0">
+                <a:solidFill>
+                  <a:schemeClr val="tx1">
+                    <a:lumMod val="50000"/>
+                    <a:lumOff val="50000"/>
+                  </a:schemeClr>
+                </a:solidFill>
+              </a:rPr>
+              <a:t>The </a:t>
+            </a:r>
+            <a:r>
+              <a:rPr lang="en-US" dirty="0" smtClean="0">
+                <a:solidFill>
+                  <a:schemeClr val="tx1">
+                    <a:lumMod val="50000"/>
+                    <a:lumOff val="50000"/>
+                  </a:schemeClr>
+                </a:solidFill>
+              </a:rPr>
+              <a:t>below command </a:t>
+            </a:r>
+            <a:r>
+              <a:rPr lang="en-US" dirty="0">
+                <a:solidFill>
+                  <a:schemeClr val="tx1">
+                    <a:lumMod val="50000"/>
+                    <a:lumOff val="50000"/>
+                  </a:schemeClr>
+                </a:solidFill>
+              </a:rPr>
+              <a:t>starts a hiveserver2 service that would enable the </a:t>
+            </a:r>
+            <a:r>
+              <a:rPr lang="en-US" dirty="0" smtClean="0">
+                <a:solidFill>
+                  <a:schemeClr val="tx1">
+                    <a:lumMod val="50000"/>
+                    <a:lumOff val="50000"/>
+                  </a:schemeClr>
+                </a:solidFill>
+              </a:rPr>
+              <a:t>beeline connectivity </a:t>
+            </a:r>
+            <a:r>
+              <a:rPr lang="en-US" dirty="0">
+                <a:solidFill>
+                  <a:schemeClr val="tx1">
+                    <a:lumMod val="50000"/>
+                    <a:lumOff val="50000"/>
+                  </a:schemeClr>
+                </a:solidFill>
+              </a:rPr>
+              <a:t>from the machine to the </a:t>
+            </a:r>
+            <a:r>
+              <a:rPr lang="en-US" dirty="0" err="1">
+                <a:solidFill>
+                  <a:schemeClr val="tx1">
+                    <a:lumMod val="50000"/>
+                    <a:lumOff val="50000"/>
+                  </a:schemeClr>
+                </a:solidFill>
+              </a:rPr>
+              <a:t>hadoop</a:t>
+            </a:r>
+            <a:r>
+              <a:rPr lang="en-US" dirty="0">
+                <a:solidFill>
+                  <a:schemeClr val="tx1">
+                    <a:lumMod val="50000"/>
+                    <a:lumOff val="50000"/>
+                  </a:schemeClr>
+                </a:solidFill>
+              </a:rPr>
+              <a:t> </a:t>
+            </a:r>
+            <a:r>
+              <a:rPr lang="en-US" dirty="0" smtClean="0">
+                <a:solidFill>
+                  <a:schemeClr val="tx1">
+                    <a:lumMod val="50000"/>
+                    <a:lumOff val="50000"/>
+                  </a:schemeClr>
+                </a:solidFill>
+              </a:rPr>
+              <a:t>cluster:</a:t>
+            </a:r>
+          </a:p>
+          <a:p>
+            <a:pPr>
+              <a:lnSpc>
+                <a:spcPct val="100000"/>
+              </a:lnSpc>
+              <a:buSzPct val="45000"/>
+            </a:pPr>
+            <a:r>
+              <a:rPr lang="en-US" dirty="0">
+                <a:solidFill>
+                  <a:schemeClr val="tx1">
+                    <a:lumMod val="50000"/>
+                    <a:lumOff val="50000"/>
+                  </a:schemeClr>
+                </a:solidFill>
+              </a:rPr>
+              <a:t>	</a:t>
+            </a:r>
+            <a:endParaRPr lang="en-US" dirty="0" smtClean="0">
+              <a:solidFill>
+                <a:schemeClr val="tx1">
+                  <a:lumMod val="50000"/>
+                  <a:lumOff val="50000"/>
+                </a:schemeClr>
+              </a:solidFill>
+            </a:endParaRPr>
+          </a:p>
+          <a:p>
+            <a:pPr marL="742950" lvl="1" indent="-285750">
+              <a:buSzPct val="45000"/>
+              <a:buFont typeface="Arial"/>
+              <a:buChar char="•"/>
+            </a:pPr>
+            <a:r>
+              <a:rPr lang="en-US" dirty="0" smtClean="0">
+                <a:solidFill>
+                  <a:schemeClr val="tx1">
+                    <a:lumMod val="50000"/>
+                    <a:lumOff val="50000"/>
+                  </a:schemeClr>
+                </a:solidFill>
+              </a:rPr>
+              <a:t>hive </a:t>
+            </a:r>
+            <a:r>
+              <a:rPr lang="en-US" dirty="0">
+                <a:solidFill>
+                  <a:schemeClr val="tx1">
+                    <a:lumMod val="50000"/>
+                    <a:lumOff val="50000"/>
+                  </a:schemeClr>
+                </a:solidFill>
+              </a:rPr>
+              <a:t>--service hiveserver2 --</a:t>
+            </a:r>
+            <a:r>
+              <a:rPr lang="en-US" dirty="0" err="1">
+                <a:solidFill>
+                  <a:schemeClr val="tx1">
+                    <a:lumMod val="50000"/>
+                    <a:lumOff val="50000"/>
+                  </a:schemeClr>
+                </a:solidFill>
+              </a:rPr>
+              <a:t>hiveconf</a:t>
+            </a:r>
+            <a:r>
+              <a:rPr lang="en-US" dirty="0">
+                <a:solidFill>
+                  <a:schemeClr val="tx1">
+                    <a:lumMod val="50000"/>
+                    <a:lumOff val="50000"/>
+                  </a:schemeClr>
+                </a:solidFill>
+              </a:rPr>
+              <a:t> </a:t>
+            </a:r>
+            <a:r>
+              <a:rPr lang="en-US" dirty="0" err="1">
+                <a:solidFill>
+                  <a:schemeClr val="tx1">
+                    <a:lumMod val="50000"/>
+                    <a:lumOff val="50000"/>
+                  </a:schemeClr>
+                </a:solidFill>
+              </a:rPr>
+              <a:t>hive.root.logger</a:t>
+            </a:r>
+            <a:r>
+              <a:rPr lang="en-US" dirty="0">
+                <a:solidFill>
+                  <a:schemeClr val="tx1">
+                    <a:lumMod val="50000"/>
+                    <a:lumOff val="50000"/>
+                  </a:schemeClr>
+                </a:solidFill>
+              </a:rPr>
+              <a:t>=</a:t>
+            </a:r>
+            <a:r>
+              <a:rPr lang="en-US" dirty="0" err="1">
+                <a:solidFill>
+                  <a:schemeClr val="tx1">
+                    <a:lumMod val="50000"/>
+                    <a:lumOff val="50000"/>
+                  </a:schemeClr>
+                </a:solidFill>
+              </a:rPr>
+              <a:t>INFO,</a:t>
+            </a:r>
+            <a:r>
+              <a:rPr lang="en-US" dirty="0" err="1" smtClean="0">
+                <a:solidFill>
+                  <a:schemeClr val="tx1">
+                    <a:lumMod val="50000"/>
+                    <a:lumOff val="50000"/>
+                  </a:schemeClr>
+                </a:solidFill>
+              </a:rPr>
+              <a:t>console</a:t>
+            </a:r>
+            <a:endParaRPr lang="en-US" dirty="0" smtClean="0">
+              <a:solidFill>
+                <a:schemeClr val="tx1">
+                  <a:lumMod val="50000"/>
+                  <a:lumOff val="50000"/>
+                </a:schemeClr>
+              </a:solidFill>
+            </a:endParaRPr>
+          </a:p>
+          <a:p>
+            <a:pPr>
+              <a:lnSpc>
+                <a:spcPct val="100000"/>
+              </a:lnSpc>
+              <a:buSzPct val="45000"/>
+            </a:pPr>
+            <a:endParaRPr lang="en-US" dirty="0" smtClean="0">
+              <a:solidFill>
+                <a:schemeClr val="tx1">
+                  <a:lumMod val="50000"/>
+                  <a:lumOff val="50000"/>
+                </a:schemeClr>
+              </a:solidFill>
+            </a:endParaRPr>
+          </a:p>
+          <a:p>
+            <a:pPr>
+              <a:lnSpc>
+                <a:spcPct val="100000"/>
+              </a:lnSpc>
+              <a:buSzPct val="45000"/>
+            </a:pPr>
+            <a:endParaRPr lang="en-US" dirty="0">
+              <a:solidFill>
+                <a:schemeClr val="tx1">
+                  <a:lumMod val="50000"/>
+                  <a:lumOff val="50000"/>
+                </a:schemeClr>
+              </a:solidFill>
+            </a:endParaRPr>
+          </a:p>
+          <a:p>
+            <a:pPr>
+              <a:lnSpc>
+                <a:spcPct val="100000"/>
+              </a:lnSpc>
+              <a:buSzPct val="45000"/>
+            </a:pPr>
+            <a:r>
+              <a:rPr lang="en-US" dirty="0" smtClean="0">
+                <a:solidFill>
+                  <a:schemeClr val="tx1">
+                    <a:lumMod val="50000"/>
+                    <a:lumOff val="50000"/>
+                  </a:schemeClr>
+                </a:solidFill>
+              </a:rPr>
+              <a:t>Once </a:t>
+            </a:r>
+            <a:r>
+              <a:rPr lang="en-US" dirty="0">
+                <a:solidFill>
+                  <a:schemeClr val="tx1">
+                    <a:lumMod val="50000"/>
+                    <a:lumOff val="50000"/>
+                  </a:schemeClr>
+                </a:solidFill>
+              </a:rPr>
+              <a:t>hiveserver2 </a:t>
+            </a:r>
+            <a:r>
+              <a:rPr lang="en-US" dirty="0" smtClean="0">
+                <a:solidFill>
+                  <a:schemeClr val="tx1">
+                    <a:lumMod val="50000"/>
+                    <a:lumOff val="50000"/>
+                  </a:schemeClr>
+                </a:solidFill>
+              </a:rPr>
+              <a:t>services are successfully started execute the below command to connect to the server:</a:t>
+            </a:r>
+          </a:p>
+          <a:p>
+            <a:pPr marL="742950" lvl="1" indent="-285750">
+              <a:buSzPct val="45000"/>
+              <a:buFont typeface="Arial"/>
+              <a:buChar char="•"/>
+            </a:pPr>
+            <a:r>
+              <a:rPr lang="en-US" dirty="0" smtClean="0">
+                <a:solidFill>
+                  <a:schemeClr val="tx1">
+                    <a:lumMod val="50000"/>
+                    <a:lumOff val="50000"/>
+                  </a:schemeClr>
+                </a:solidFill>
+              </a:rPr>
+              <a:t>beeline </a:t>
+            </a:r>
+            <a:r>
+              <a:rPr lang="en-US" dirty="0">
+                <a:solidFill>
+                  <a:schemeClr val="tx1">
+                    <a:lumMod val="50000"/>
+                    <a:lumOff val="50000"/>
+                  </a:schemeClr>
+                </a:solidFill>
+              </a:rPr>
+              <a:t>-u jdbc:hive2://localhost:10000 -n </a:t>
+            </a:r>
+            <a:r>
+              <a:rPr lang="en-US" dirty="0" err="1" smtClean="0">
+                <a:solidFill>
+                  <a:schemeClr val="tx1">
+                    <a:lumMod val="50000"/>
+                    <a:lumOff val="50000"/>
+                  </a:schemeClr>
+                </a:solidFill>
+              </a:rPr>
+              <a:t>hadoop</a:t>
+            </a:r>
+            <a:endParaRPr lang="en-US" dirty="0" smtClean="0">
+              <a:solidFill>
+                <a:schemeClr val="tx1">
+                  <a:lumMod val="50000"/>
+                  <a:lumOff val="50000"/>
+                </a:schemeClr>
+              </a:solidFill>
+            </a:endParaRPr>
+          </a:p>
+          <a:p>
+            <a:pPr marL="742950" lvl="1" indent="-285750">
+              <a:buSzPct val="45000"/>
+              <a:buFont typeface="Arial"/>
+              <a:buChar char="•"/>
+            </a:pPr>
+            <a:endParaRPr lang="en-US" dirty="0">
+              <a:solidFill>
+                <a:schemeClr val="tx1">
+                  <a:lumMod val="50000"/>
+                  <a:lumOff val="50000"/>
+                </a:schemeClr>
+              </a:solidFill>
+            </a:endParaRPr>
+          </a:p>
+          <a:p>
+            <a:pPr>
+              <a:buSzPct val="45000"/>
+            </a:pPr>
+            <a:r>
+              <a:rPr lang="en-US" dirty="0" smtClean="0">
+                <a:solidFill>
+                  <a:schemeClr val="tx1">
+                    <a:lumMod val="50000"/>
+                    <a:lumOff val="50000"/>
+                  </a:schemeClr>
+                </a:solidFill>
+              </a:rPr>
+              <a:t>Here </a:t>
+            </a:r>
+            <a:r>
+              <a:rPr lang="en-US" i="1" dirty="0" smtClean="0">
+                <a:solidFill>
+                  <a:schemeClr val="tx1">
+                    <a:lumMod val="50000"/>
+                    <a:lumOff val="50000"/>
+                  </a:schemeClr>
+                </a:solidFill>
+              </a:rPr>
+              <a:t>–n </a:t>
+            </a:r>
+            <a:r>
+              <a:rPr lang="en-US" i="1" dirty="0" err="1" smtClean="0">
+                <a:solidFill>
+                  <a:schemeClr val="tx1">
+                    <a:lumMod val="50000"/>
+                    <a:lumOff val="50000"/>
+                  </a:schemeClr>
+                </a:solidFill>
+              </a:rPr>
+              <a:t>hadoop</a:t>
+            </a:r>
+            <a:r>
+              <a:rPr lang="en-US" i="1" dirty="0" smtClean="0">
+                <a:solidFill>
+                  <a:schemeClr val="tx1">
+                    <a:lumMod val="50000"/>
+                    <a:lumOff val="50000"/>
+                  </a:schemeClr>
+                </a:solidFill>
+              </a:rPr>
+              <a:t> </a:t>
+            </a:r>
+            <a:r>
+              <a:rPr lang="en-US" dirty="0" smtClean="0">
+                <a:solidFill>
+                  <a:schemeClr val="tx1">
+                    <a:lumMod val="50000"/>
+                    <a:lumOff val="50000"/>
+                  </a:schemeClr>
+                </a:solidFill>
+              </a:rPr>
+              <a:t>means the </a:t>
+            </a:r>
+            <a:r>
+              <a:rPr lang="en-US" dirty="0" err="1" smtClean="0">
+                <a:solidFill>
+                  <a:schemeClr val="tx1">
+                    <a:lumMod val="50000"/>
+                    <a:lumOff val="50000"/>
+                  </a:schemeClr>
+                </a:solidFill>
+              </a:rPr>
+              <a:t>hadoop</a:t>
+            </a:r>
+            <a:r>
+              <a:rPr lang="en-US" dirty="0" smtClean="0">
+                <a:solidFill>
+                  <a:schemeClr val="tx1">
+                    <a:lumMod val="50000"/>
+                    <a:lumOff val="50000"/>
+                  </a:schemeClr>
+                </a:solidFill>
+              </a:rPr>
+              <a:t> user we created in </a:t>
+            </a:r>
+            <a:r>
+              <a:rPr lang="en-US" dirty="0" err="1" smtClean="0">
+                <a:solidFill>
+                  <a:schemeClr val="tx1">
+                    <a:lumMod val="50000"/>
+                    <a:lumOff val="50000"/>
+                  </a:schemeClr>
+                </a:solidFill>
+              </a:rPr>
+              <a:t>mysql</a:t>
+            </a:r>
+            <a:endParaRPr lang="en-US" dirty="0" smtClean="0">
+              <a:solidFill>
+                <a:schemeClr val="tx1">
+                  <a:lumMod val="50000"/>
+                  <a:lumOff val="50000"/>
+                </a:schemeClr>
+              </a:solidFill>
+            </a:endParaRPr>
+          </a:p>
+        </p:txBody>
+      </p:sp>
+    </p:spTree>
+    <p:extLst>
+      <p:ext uri="{BB962C8B-B14F-4D97-AF65-F5344CB8AC3E}">
+        <p14:creationId xmlns:p14="http://schemas.microsoft.com/office/powerpoint/2010/main" val="178014726"/>
+      </p:ext>
+    </p:extLst>
+  </p:cSld>
+  <p:clrMapOvr>
+    <a:masterClrMapping/>
+  </p:clrMapOvr>
+  <p:timing>
+    <p:tnLst>
+      <p:par>
+        <p:cTn xmlns:p14="http://schemas.microsoft.com/office/powerpoint/2010/main" id="1" dur="indefinite" restart="never" nodeType="tmRoot">
+          <p:childTnLst>
+            <p:seq>
+              <p:cTn id="2" nodeType="mainSeq"/>
+              <p:prevCondLst>
+                <p:cond evt="onPrev" delay="0">
+                  <p:tgtEl>
+                    <p:sldTgt/>
+                  </p:tgtEl>
+                </p:cond>
+              </p:prevCondLst>
+              <p:nextCondLst>
+                <p:cond evt="onNext" delay="0">
+                  <p:tgtEl>
+                    <p:sldTgt/>
+                  </p:tgtEl>
+                </p:cond>
+              </p:nextCondLst>
+            </p:seq>
+          </p:childTnLst>
+        </p:cTn>
+      </p:par>
+    </p:tnLst>
+  </p:timing>
+</p:sld>
+</file>
+
+<file path=ppt/slides/slide13.xml><?xml version="1.0" encoding="utf-8"?>
+<p:sld xmlns:a="http://schemas.openxmlformats.org/drawingml/2006/main" xmlns:r="http://schemas.openxmlformats.org/officeDocument/2006/relationships" xmlns:p="http://schemas.openxmlformats.org/presentationml/2006/main">
+  <p:cSld>
+    <p:spTree>
+      <p:nvGrpSpPr>
+        <p:cNvPr id="1" name=""/>
+        <p:cNvGrpSpPr/>
+        <p:nvPr/>
+      </p:nvGrpSpPr>
+      <p:grpSpPr>
+        <a:xfrm>
+          <a:off x="0" y="0"/>
+          <a:ext cx="0" cy="0"/>
+          <a:chOff x="0" y="0"/>
+          <a:chExt cx="0" cy="0"/>
+        </a:xfrm>
+      </p:grpSpPr>
+      <p:sp>
+        <p:nvSpPr>
           <p:cNvPr id="2" name="Title 1"/>
           <p:cNvSpPr>
             <a:spLocks noGrp="1"/>
@@ -7555,13 +8064,7 @@
               <a:rPr lang="en-IN" sz="4800" dirty="0" smtClean="0">
                 <a:latin typeface="Arial"/>
               </a:rPr>
-              <a:t>With this session we have completed installing </a:t>
-            </a:r>
-            <a:r>
-              <a:rPr lang="en-IN" sz="4800" dirty="0" smtClean="0">
-                <a:latin typeface="Arial"/>
-              </a:rPr>
-              <a:t>Hive to execute queries on the cluster</a:t>
+              <a:t>With this session we have completed installing Hive to execute queries on the cluster</a:t>
             </a:r>
             <a:endParaRPr lang="en-US" dirty="0"/>
           </a:p>
@@ -7663,14 +8166,6 @@
               </a:rPr>
               <a:t>Learning Hive from basic to advance</a:t>
             </a:r>
-            <a:endParaRPr lang="en-US" cap="none" dirty="0" smtClean="0">
-              <a:solidFill>
-                <a:schemeClr val="tx1">
-                  <a:lumMod val="50000"/>
-                  <a:lumOff val="50000"/>
-                </a:schemeClr>
-              </a:solidFill>
-            </a:endParaRPr>
           </a:p>
           <a:p>
             <a:pPr algn="l"/>
@@ -7809,13 +8304,7 @@
               <a:rPr lang="en-IN" sz="4400" dirty="0" smtClean="0">
                 <a:latin typeface="Arial"/>
               </a:rPr>
-              <a:t>Installing </a:t>
-            </a:r>
-            <a:r>
-              <a:rPr lang="en-IN" sz="4400" dirty="0" smtClean="0">
-                <a:latin typeface="Arial"/>
-              </a:rPr>
-              <a:t>Hive</a:t>
+              <a:t>Installing Hive</a:t>
             </a:r>
             <a:endParaRPr dirty="0"/>
           </a:p>
@@ -7893,7 +8382,29 @@
                   </a:schemeClr>
                 </a:solidFill>
               </a:rPr>
-              <a:t>Start with logging onto </a:t>
+              <a:t>Start with logging onto the </a:t>
+            </a:r>
+            <a:r>
+              <a:rPr lang="en-US" dirty="0" err="1" smtClean="0">
+                <a:solidFill>
+                  <a:schemeClr val="tx1">
+                    <a:lumMod val="50000"/>
+                    <a:lumOff val="50000"/>
+                  </a:schemeClr>
+                </a:solidFill>
+              </a:rPr>
+              <a:t>edgenode</a:t>
+            </a:r>
+            <a:r>
+              <a:rPr lang="en-US" dirty="0">
+                <a:solidFill>
+                  <a:schemeClr val="tx1">
+                    <a:lumMod val="50000"/>
+                    <a:lumOff val="50000"/>
+                  </a:schemeClr>
+                </a:solidFill>
+              </a:rPr>
+              <a:t> </a:t>
             </a:r>
             <a:r>
               <a:rPr lang="en-US" dirty="0" smtClean="0">
@@ -7904,7 +8415,7 @@
                   </a:schemeClr>
                 </a:solidFill>
               </a:rPr>
-              <a:t>the </a:t>
+              <a:t>or </a:t>
             </a:r>
             <a:r>
               <a:rPr lang="en-US" dirty="0" err="1" smtClean="0">
@@ -7915,18 +8426,7 @@
                   </a:schemeClr>
                 </a:solidFill>
               </a:rPr>
-              <a:t>edgenode</a:t>
-            </a:r>
-            <a:r>
-              <a:rPr lang="en-US" dirty="0">
-                <a:solidFill>
-                  <a:schemeClr val="tx1">
-                    <a:lumMod val="50000"/>
-                    <a:lumOff val="50000"/>
-                  </a:schemeClr>
-                </a:solidFill>
-              </a:rPr>
-              <a:t> </a:t>
+              <a:t>namenode</a:t>
             </a:r>
             <a:r>
               <a:rPr lang="en-US" dirty="0" smtClean="0">
@@ -7937,62 +8437,7 @@
                   </a:schemeClr>
                 </a:solidFill>
               </a:rPr>
-              <a:t>or</a:t>
-            </a:r>
-            <a:r>
-              <a:rPr lang="en-US" dirty="0" smtClean="0">
-                <a:solidFill>
-                  <a:schemeClr val="tx1">
-                    <a:lumMod val="50000"/>
-                    <a:lumOff val="50000"/>
-                  </a:schemeClr>
-                </a:solidFill>
-              </a:rPr>
-              <a:t> </a:t>
-            </a:r>
-            <a:r>
-              <a:rPr lang="en-US" dirty="0" err="1" smtClean="0">
-                <a:solidFill>
-                  <a:schemeClr val="tx1">
-                    <a:lumMod val="50000"/>
-                    <a:lumOff val="50000"/>
-                  </a:schemeClr>
-                </a:solidFill>
-              </a:rPr>
-              <a:t>namenode</a:t>
-            </a:r>
-            <a:r>
-              <a:rPr lang="en-US" dirty="0" smtClean="0">
-                <a:solidFill>
-                  <a:schemeClr val="tx1">
-                    <a:lumMod val="50000"/>
-                    <a:lumOff val="50000"/>
-                  </a:schemeClr>
-                </a:solidFill>
-              </a:rPr>
-              <a:t> machine and getting hold of the latest </a:t>
-            </a:r>
-            <a:r>
-              <a:rPr lang="en-US" dirty="0" smtClean="0">
-                <a:solidFill>
-                  <a:schemeClr val="tx1">
-                    <a:lumMod val="50000"/>
-                    <a:lumOff val="50000"/>
-                  </a:schemeClr>
-                </a:solidFill>
-              </a:rPr>
-              <a:t>Hive version </a:t>
-            </a:r>
-            <a:r>
-              <a:rPr lang="en-US" dirty="0" smtClean="0">
-                <a:solidFill>
-                  <a:schemeClr val="tx1">
-                    <a:lumMod val="50000"/>
-                    <a:lumOff val="50000"/>
-                  </a:schemeClr>
-                </a:solidFill>
-              </a:rPr>
-              <a:t>available</a:t>
+              <a:t> machine and getting hold of the latest Hive version available</a:t>
             </a:r>
           </a:p>
           <a:p>
@@ -8031,7 +8476,18 @@
                   </a:schemeClr>
                 </a:solidFill>
               </a:rPr>
-              <a:t>For your ease the </a:t>
+              <a:t>For your ease the Hive tar package is already available under directory “/home/</a:t>
+            </a:r>
+            <a:r>
+              <a:rPr lang="en-US" dirty="0" err="1" smtClean="0">
+                <a:solidFill>
+                  <a:schemeClr val="tx1">
+                    <a:lumMod val="50000"/>
+                    <a:lumOff val="50000"/>
+                  </a:schemeClr>
+                </a:solidFill>
+              </a:rPr>
+              <a:t>hadoop</a:t>
             </a:r>
             <a:r>
               <a:rPr lang="en-US" dirty="0" smtClean="0">
@@ -8042,7 +8498,18 @@
                   </a:schemeClr>
                 </a:solidFill>
               </a:rPr>
-              <a:t>Hive tar </a:t>
+              <a:t>/</a:t>
+            </a:r>
+            <a:r>
+              <a:rPr lang="en-US" dirty="0" err="1" smtClean="0">
+                <a:solidFill>
+                  <a:schemeClr val="tx1">
+                    <a:lumMod val="50000"/>
+                    <a:lumOff val="50000"/>
+                  </a:schemeClr>
+                </a:solidFill>
+              </a:rPr>
+              <a:t>softwares</a:t>
             </a:r>
             <a:r>
               <a:rPr lang="en-US" dirty="0" smtClean="0">
@@ -8053,60 +8520,8 @@
                   </a:schemeClr>
                 </a:solidFill>
               </a:rPr>
-              <a:t>package is already available under directory “/home/</a:t>
-            </a:r>
-            <a:r>
-              <a:rPr lang="en-US" dirty="0" err="1" smtClean="0">
-                <a:solidFill>
-                  <a:schemeClr val="tx1">
-                    <a:lumMod val="50000"/>
-                    <a:lumOff val="50000"/>
-                  </a:schemeClr>
-                </a:solidFill>
-              </a:rPr>
-              <a:t>hadoop</a:t>
-            </a:r>
-            <a:r>
-              <a:rPr lang="en-US" dirty="0" smtClean="0">
-                <a:solidFill>
-                  <a:schemeClr val="tx1">
-                    <a:lumMod val="50000"/>
-                    <a:lumOff val="50000"/>
-                  </a:schemeClr>
-                </a:solidFill>
-              </a:rPr>
-              <a:t>/</a:t>
-            </a:r>
-            <a:r>
-              <a:rPr lang="en-US" dirty="0" err="1" smtClean="0">
-                <a:solidFill>
-                  <a:schemeClr val="tx1">
-                    <a:lumMod val="50000"/>
-                    <a:lumOff val="50000"/>
-                  </a:schemeClr>
-                </a:solidFill>
-              </a:rPr>
-              <a:t>softwares</a:t>
-            </a:r>
-            <a:r>
-              <a:rPr lang="en-US" dirty="0" smtClean="0">
-                <a:solidFill>
-                  <a:schemeClr val="tx1">
-                    <a:lumMod val="50000"/>
-                    <a:lumOff val="50000"/>
-                  </a:schemeClr>
-                </a:solidFill>
-              </a:rPr>
               <a:t>”</a:t>
             </a:r>
-            <a:endParaRPr lang="en-US" dirty="0" smtClean="0">
-              <a:solidFill>
-                <a:schemeClr val="tx1">
-                  <a:lumMod val="50000"/>
-                  <a:lumOff val="50000"/>
-                </a:schemeClr>
-              </a:solidFill>
-            </a:endParaRPr>
           </a:p>
           <a:p>
             <a:pPr marL="285750" indent="-285750">
@@ -8320,27 +8735,8 @@
                   </a:schemeClr>
                 </a:solidFill>
               </a:rPr>
-              <a:t>/local</a:t>
-            </a:r>
-            <a:r>
-              <a:rPr lang="en-US" dirty="0" smtClean="0">
-                <a:solidFill>
-                  <a:schemeClr val="tx1">
-                    <a:lumMod val="50000"/>
-                    <a:lumOff val="50000"/>
-                  </a:schemeClr>
-                </a:solidFill>
-              </a:rPr>
-              <a:t>/hive</a:t>
-            </a:r>
-            <a:endParaRPr lang="en-US" dirty="0" smtClean="0">
-              <a:solidFill>
-                <a:schemeClr val="tx1">
-                  <a:lumMod val="50000"/>
-                  <a:lumOff val="50000"/>
-                </a:schemeClr>
-              </a:solidFill>
-            </a:endParaRPr>
+              <a:t>/local/hive</a:t>
+            </a:r>
           </a:p>
           <a:p>
             <a:pPr marL="742950" lvl="1" indent="-285750">
@@ -8412,27 +8808,8 @@
                   </a:schemeClr>
                 </a:solidFill>
               </a:rPr>
-              <a:t>/local</a:t>
-            </a:r>
-            <a:r>
-              <a:rPr lang="en-US" dirty="0" smtClean="0">
-                <a:solidFill>
-                  <a:schemeClr val="tx1">
-                    <a:lumMod val="50000"/>
-                    <a:lumOff val="50000"/>
-                  </a:schemeClr>
-                </a:solidFill>
-              </a:rPr>
-              <a:t>/hive</a:t>
-            </a:r>
-            <a:endParaRPr lang="en-US" dirty="0" smtClean="0">
-              <a:solidFill>
-                <a:schemeClr val="tx1">
-                  <a:lumMod val="50000"/>
-                  <a:lumOff val="50000"/>
-                </a:schemeClr>
-              </a:solidFill>
-            </a:endParaRPr>
+              <a:t>/local/hive</a:t>
+            </a:r>
           </a:p>
           <a:p>
             <a:pPr marL="742950" lvl="1" indent="-285750">
@@ -8482,7 +8859,18 @@
                   </a:schemeClr>
                 </a:solidFill>
               </a:rPr>
-              <a:t> </a:t>
+              <a:t> –R </a:t>
+            </a:r>
+            <a:r>
+              <a:rPr lang="en-US" dirty="0" err="1" smtClean="0">
+                <a:solidFill>
+                  <a:schemeClr val="tx1">
+                    <a:lumMod val="50000"/>
+                    <a:lumOff val="50000"/>
+                  </a:schemeClr>
+                </a:solidFill>
+              </a:rPr>
+              <a:t>hadoop</a:t>
             </a:r>
             <a:r>
               <a:rPr lang="en-US" dirty="0" smtClean="0">
@@ -8493,7 +8881,7 @@
                   </a:schemeClr>
                 </a:solidFill>
               </a:rPr>
-              <a:t>–R </a:t>
+              <a:t> /</a:t>
             </a:r>
             <a:r>
               <a:rPr lang="en-US" dirty="0" err="1" smtClean="0">
@@ -8504,7 +8892,7 @@
                   </a:schemeClr>
                 </a:solidFill>
               </a:rPr>
-              <a:t>hadoop</a:t>
+              <a:t>usr</a:t>
             </a:r>
             <a:r>
               <a:rPr lang="en-US" dirty="0" smtClean="0">
@@ -8515,40 +8903,7 @@
                   </a:schemeClr>
                 </a:solidFill>
               </a:rPr>
-              <a:t> /</a:t>
-            </a:r>
-            <a:r>
-              <a:rPr lang="en-US" dirty="0" err="1" smtClean="0">
-                <a:solidFill>
-                  <a:schemeClr val="tx1">
-                    <a:lumMod val="50000"/>
-                    <a:lumOff val="50000"/>
-                  </a:schemeClr>
-                </a:solidFill>
-              </a:rPr>
-              <a:t>usr</a:t>
-            </a:r>
-            <a:r>
-              <a:rPr lang="en-US" dirty="0" smtClean="0">
-                <a:solidFill>
-                  <a:schemeClr val="tx1">
-                    <a:lumMod val="50000"/>
-                    <a:lumOff val="50000"/>
-                  </a:schemeClr>
-                </a:solidFill>
-              </a:rPr>
-              <a:t>/local</a:t>
-            </a:r>
-            <a:r>
-              <a:rPr lang="en-US" dirty="0" smtClean="0">
-                <a:solidFill>
-                  <a:schemeClr val="tx1">
-                    <a:lumMod val="50000"/>
-                    <a:lumOff val="50000"/>
-                  </a:schemeClr>
-                </a:solidFill>
-              </a:rPr>
-              <a:t>/hive</a:t>
+              <a:t>/local/hive</a:t>
             </a:r>
           </a:p>
           <a:p>
@@ -10031,7 +10386,18 @@
                   </a:schemeClr>
                 </a:solidFill>
               </a:rPr>
-              <a:t>vi </a:t>
+              <a:t>vi /usr/local/hive</a:t>
+            </a:r>
+            <a:r>
+              <a:rPr lang="en-IN" dirty="0" smtClean="0">
+                <a:solidFill>
+                  <a:schemeClr val="tx1">
+                    <a:lumMod val="50000"/>
+                    <a:lumOff val="50000"/>
+                  </a:schemeClr>
+                </a:solidFill>
+              </a:rPr>
+              <a:t>/</a:t>
             </a:r>
             <a:r>
               <a:rPr lang="en-IN" dirty="0">
@@ -10042,40 +10408,7 @@
                   </a:schemeClr>
                 </a:solidFill>
               </a:rPr>
-              <a:t>/usr/local/hive</a:t>
-            </a:r>
-            <a:r>
-              <a:rPr lang="en-IN" dirty="0" smtClean="0">
-                <a:solidFill>
-                  <a:schemeClr val="tx1">
-                    <a:lumMod val="50000"/>
-                    <a:lumOff val="50000"/>
-                  </a:schemeClr>
-                </a:solidFill>
-              </a:rPr>
-              <a:t>/</a:t>
-            </a:r>
-            <a:r>
-              <a:rPr lang="en-IN" dirty="0">
-                <a:solidFill>
-                  <a:schemeClr val="tx1">
-                    <a:lumMod val="50000"/>
-                    <a:lumOff val="50000"/>
-                  </a:schemeClr>
-                </a:solidFill>
-              </a:rPr>
-              <a:t>bin</a:t>
-            </a:r>
-            <a:r>
-              <a:rPr lang="en-IN" dirty="0">
-                <a:solidFill>
-                  <a:schemeClr val="tx1">
-                    <a:lumMod val="50000"/>
-                    <a:lumOff val="50000"/>
-                  </a:schemeClr>
-                </a:solidFill>
-              </a:rPr>
-              <a:t>/hive-config.sh</a:t>
+              <a:t>bin/hive-config.sh</a:t>
             </a:r>
             <a:endParaRPr dirty="0">
               <a:solidFill>
@@ -10201,14 +10534,6 @@
               </a:rPr>
               <a:t> related configuration files.</a:t>
             </a:r>
-            <a:endParaRPr lang="en-US" dirty="0" smtClean="0">
-              <a:solidFill>
-                <a:schemeClr val="tx1">
-                  <a:lumMod val="50000"/>
-                  <a:lumOff val="50000"/>
-                </a:schemeClr>
-              </a:solidFill>
-            </a:endParaRPr>
           </a:p>
           <a:p>
             <a:pPr lvl="1"/>
@@ -11112,14 +11437,6 @@
               </a:rPr>
               <a:t> /user/hive/warehouse</a:t>
             </a:r>
-            <a:endParaRPr lang="en-US" dirty="0">
-              <a:solidFill>
-                <a:schemeClr val="tx1">
-                  <a:lumMod val="50000"/>
-                  <a:lumOff val="50000"/>
-                </a:schemeClr>
-              </a:solidFill>
-            </a:endParaRPr>
           </a:p>
         </p:txBody>
       </p:sp>
@@ -11774,18 +12091,7 @@
                   </a:schemeClr>
                 </a:solidFill>
               </a:rPr>
-              <a:t>Open a terminal on the machine where you just </a:t>
-            </a:r>
-            <a:r>
-              <a:rPr lang="en-US" dirty="0" smtClean="0">
-                <a:solidFill>
-                  <a:schemeClr val="tx1">
-                    <a:lumMod val="50000"/>
-                    <a:lumOff val="50000"/>
-                  </a:schemeClr>
-                </a:solidFill>
-              </a:rPr>
-              <a:t>configured Hive on and execute the below commands in sequence. </a:t>
+              <a:t>Open a terminal on the machine where you just configured Hive on and execute the below commands in sequence. </a:t>
             </a:r>
             <a:endParaRPr lang="en-US" dirty="0">
               <a:solidFill>
